--- a/FarmerModel/AEDPresentation.pptx
+++ b/FarmerModel/AEDPresentation.pptx
@@ -13,14 +13,15 @@
     <p:sldId id="263" r:id="rId7"/>
     <p:sldId id="264" r:id="rId8"/>
     <p:sldId id="265" r:id="rId9"/>
-    <p:sldId id="266" r:id="rId10"/>
-    <p:sldId id="268" r:id="rId11"/>
-    <p:sldId id="267" r:id="rId12"/>
-    <p:sldId id="269" r:id="rId13"/>
-    <p:sldId id="272" r:id="rId14"/>
-    <p:sldId id="270" r:id="rId15"/>
-    <p:sldId id="260" r:id="rId16"/>
-    <p:sldId id="261" r:id="rId17"/>
+    <p:sldId id="273" r:id="rId10"/>
+    <p:sldId id="266" r:id="rId11"/>
+    <p:sldId id="268" r:id="rId12"/>
+    <p:sldId id="267" r:id="rId13"/>
+    <p:sldId id="269" r:id="rId14"/>
+    <p:sldId id="272" r:id="rId15"/>
+    <p:sldId id="270" r:id="rId16"/>
+    <p:sldId id="260" r:id="rId17"/>
+    <p:sldId id="261" r:id="rId18"/>
   </p:sldIdLst>
   <p:sldSz cx="12192000" cy="6858000"/>
   <p:notesSz cx="6858000" cy="9144000"/>
@@ -125,6 +126,43 @@
     </p:ext>
   </p:extLst>
 </p:presentation>
+</file>
+
+<file path=ppt/changesInfos/changesInfo1.xml><?xml version="1.0" encoding="utf-8"?>
+<pc:chgInfo xmlns:a="http://schemas.openxmlformats.org/drawingml/2006/main" xmlns:r="http://schemas.openxmlformats.org/officeDocument/2006/relationships" xmlns:ac="http://schemas.microsoft.com/office/drawing/2013/main/command" xmlns:pc="http://schemas.microsoft.com/office/powerpoint/2013/main/command">
+  <pc:docChgLst>
+    <pc:chgData name="Gurjot Kaur" userId="9fd98d0bf25803a2" providerId="LiveId" clId="{EAD4B555-3DC0-4EB1-82C4-36404CA1FE1D}"/>
+    <pc:docChg chg="addSld modSld">
+      <pc:chgData name="Gurjot Kaur" userId="9fd98d0bf25803a2" providerId="LiveId" clId="{EAD4B555-3DC0-4EB1-82C4-36404CA1FE1D}" dt="2018-12-10T04:13:42.541" v="7" actId="14100"/>
+      <pc:docMkLst>
+        <pc:docMk/>
+      </pc:docMkLst>
+      <pc:sldChg chg="addSp delSp modSp add">
+        <pc:chgData name="Gurjot Kaur" userId="9fd98d0bf25803a2" providerId="LiveId" clId="{EAD4B555-3DC0-4EB1-82C4-36404CA1FE1D}" dt="2018-12-10T04:13:42.541" v="7" actId="14100"/>
+        <pc:sldMkLst>
+          <pc:docMk/>
+          <pc:sldMk cId="1673170234" sldId="273"/>
+        </pc:sldMkLst>
+        <pc:spChg chg="del">
+          <ac:chgData name="Gurjot Kaur" userId="9fd98d0bf25803a2" providerId="LiveId" clId="{EAD4B555-3DC0-4EB1-82C4-36404CA1FE1D}" dt="2018-12-10T04:13:23.447" v="1" actId="931"/>
+          <ac:spMkLst>
+            <pc:docMk/>
+            <pc:sldMk cId="1673170234" sldId="273"/>
+            <ac:spMk id="3" creationId="{A403EAC0-4B27-4933-9233-B18BF2E2C56F}"/>
+          </ac:spMkLst>
+        </pc:spChg>
+        <pc:picChg chg="add mod">
+          <ac:chgData name="Gurjot Kaur" userId="9fd98d0bf25803a2" providerId="LiveId" clId="{EAD4B555-3DC0-4EB1-82C4-36404CA1FE1D}" dt="2018-12-10T04:13:42.541" v="7" actId="14100"/>
+          <ac:picMkLst>
+            <pc:docMk/>
+            <pc:sldMk cId="1673170234" sldId="273"/>
+            <ac:picMk id="5" creationId="{43E71981-8756-4A54-A2E9-3184E8D1640F}"/>
+          </ac:picMkLst>
+        </pc:picChg>
+      </pc:sldChg>
+    </pc:docChg>
+  </pc:docChgLst>
+</pc:chgInfo>
 </file>
 
 <file path=ppt/diagrams/colors1.xml><?xml version="1.0" encoding="utf-8"?>
@@ -8378,6 +8416,116 @@
           <p:cNvPr id="2" name="Title 1">
             <a:extLst>
               <a:ext uri="{FF2B5EF4-FFF2-40B4-BE49-F238E27FC236}">
+                <a16:creationId xmlns:a16="http://schemas.microsoft.com/office/drawing/2014/main" id="{D62BF43D-E095-43BD-B0BF-78F8ACDDD9EB}"/>
+              </a:ext>
+            </a:extLst>
+          </p:cNvPr>
+          <p:cNvSpPr>
+            <a:spLocks noGrp="1"/>
+          </p:cNvSpPr>
+          <p:nvPr>
+            <p:ph type="title"/>
+          </p:nvPr>
+        </p:nvSpPr>
+        <p:spPr/>
+        <p:txBody>
+          <a:bodyPr/>
+          <a:lstStyle/>
+          <a:p>
+            <a:endParaRPr lang="en-US"/>
+          </a:p>
+        </p:txBody>
+      </p:sp>
+      <p:sp>
+        <p:nvSpPr>
+          <p:cNvPr id="3" name="Content Placeholder 2">
+            <a:extLst>
+              <a:ext uri="{FF2B5EF4-FFF2-40B4-BE49-F238E27FC236}">
+                <a16:creationId xmlns:a16="http://schemas.microsoft.com/office/drawing/2014/main" id="{E61F3037-91FE-4100-8BD1-BF09EDA1684A}"/>
+              </a:ext>
+            </a:extLst>
+          </p:cNvPr>
+          <p:cNvSpPr>
+            <a:spLocks noGrp="1"/>
+          </p:cNvSpPr>
+          <p:nvPr>
+            <p:ph idx="1"/>
+          </p:nvPr>
+        </p:nvSpPr>
+        <p:spPr/>
+        <p:txBody>
+          <a:bodyPr/>
+          <a:lstStyle/>
+          <a:p>
+            <a:endParaRPr lang="en-US"/>
+          </a:p>
+        </p:txBody>
+      </p:sp>
+      <p:pic>
+        <p:nvPicPr>
+          <p:cNvPr id="4" name="Picture 3">
+            <a:extLst>
+              <a:ext uri="{FF2B5EF4-FFF2-40B4-BE49-F238E27FC236}">
+                <a16:creationId xmlns:a16="http://schemas.microsoft.com/office/drawing/2014/main" id="{899781E9-071E-4DCF-977F-2A2494152EB9}"/>
+              </a:ext>
+            </a:extLst>
+          </p:cNvPr>
+          <p:cNvPicPr>
+            <a:picLocks noChangeAspect="1"/>
+          </p:cNvPicPr>
+          <p:nvPr/>
+        </p:nvPicPr>
+        <p:blipFill>
+          <a:blip r:embed="rId2"/>
+          <a:stretch>
+            <a:fillRect/>
+          </a:stretch>
+        </p:blipFill>
+        <p:spPr>
+          <a:xfrm>
+            <a:off x="0" y="0"/>
+            <a:ext cx="12192000" cy="6858000"/>
+          </a:xfrm>
+          <a:prstGeom prst="rect">
+            <a:avLst/>
+          </a:prstGeom>
+        </p:spPr>
+      </p:pic>
+    </p:spTree>
+    <p:extLst>
+      <p:ext uri="{BB962C8B-B14F-4D97-AF65-F5344CB8AC3E}">
+        <p14:creationId xmlns:p14="http://schemas.microsoft.com/office/powerpoint/2010/main" val="499854722"/>
+      </p:ext>
+    </p:extLst>
+  </p:cSld>
+  <p:clrMapOvr>
+    <a:masterClrMapping/>
+  </p:clrMapOvr>
+</p:sld>
+</file>
+
+<file path=ppt/slides/slide11.xml><?xml version="1.0" encoding="utf-8"?>
+<p:sld xmlns:a="http://schemas.openxmlformats.org/drawingml/2006/main" xmlns:r="http://schemas.openxmlformats.org/officeDocument/2006/relationships" xmlns:p="http://schemas.openxmlformats.org/presentationml/2006/main">
+  <p:cSld>
+    <p:spTree>
+      <p:nvGrpSpPr>
+        <p:cNvPr id="1" name=""/>
+        <p:cNvGrpSpPr/>
+        <p:nvPr/>
+      </p:nvGrpSpPr>
+      <p:grpSpPr>
+        <a:xfrm>
+          <a:off x="0" y="0"/>
+          <a:ext cx="0" cy="0"/>
+          <a:chOff x="0" y="0"/>
+          <a:chExt cx="0" cy="0"/>
+        </a:xfrm>
+      </p:grpSpPr>
+      <p:sp>
+        <p:nvSpPr>
+          <p:cNvPr id="2" name="Title 1">
+            <a:extLst>
+              <a:ext uri="{FF2B5EF4-FFF2-40B4-BE49-F238E27FC236}">
                 <a16:creationId xmlns:a16="http://schemas.microsoft.com/office/drawing/2014/main" id="{8104C097-225F-4F0D-9A96-0BDB6EAA6DF3}"/>
               </a:ext>
             </a:extLst>
@@ -8443,7 +8591,7 @@
 </p:sld>
 </file>
 
-<file path=ppt/slides/slide11.xml><?xml version="1.0" encoding="utf-8"?>
+<file path=ppt/slides/slide12.xml><?xml version="1.0" encoding="utf-8"?>
 <p:sld xmlns:a="http://schemas.openxmlformats.org/drawingml/2006/main" xmlns:r="http://schemas.openxmlformats.org/officeDocument/2006/relationships" xmlns:p="http://schemas.openxmlformats.org/presentationml/2006/main">
   <p:cSld>
     <p:spTree>
@@ -8530,7 +8678,7 @@
 </p:sld>
 </file>
 
-<file path=ppt/slides/slide12.xml><?xml version="1.0" encoding="utf-8"?>
+<file path=ppt/slides/slide13.xml><?xml version="1.0" encoding="utf-8"?>
 <p:sld xmlns:a="http://schemas.openxmlformats.org/drawingml/2006/main" xmlns:r="http://schemas.openxmlformats.org/officeDocument/2006/relationships" xmlns:p="http://schemas.openxmlformats.org/presentationml/2006/main">
   <p:cSld>
     <p:spTree>
@@ -8617,7 +8765,7 @@
 </p:sld>
 </file>
 
-<file path=ppt/slides/slide13.xml><?xml version="1.0" encoding="utf-8"?>
+<file path=ppt/slides/slide14.xml><?xml version="1.0" encoding="utf-8"?>
 <p:sld xmlns:a="http://schemas.openxmlformats.org/drawingml/2006/main" xmlns:r="http://schemas.openxmlformats.org/officeDocument/2006/relationships" xmlns:p="http://schemas.openxmlformats.org/presentationml/2006/main">
   <p:cSld>
     <p:spTree>
@@ -8704,7 +8852,7 @@
 </p:sld>
 </file>
 
-<file path=ppt/slides/slide14.xml><?xml version="1.0" encoding="utf-8"?>
+<file path=ppt/slides/slide15.xml><?xml version="1.0" encoding="utf-8"?>
 <p:sld xmlns:a="http://schemas.openxmlformats.org/drawingml/2006/main" xmlns:r="http://schemas.openxmlformats.org/officeDocument/2006/relationships" xmlns:p="http://schemas.openxmlformats.org/presentationml/2006/main">
   <p:cSld>
     <p:spTree>
@@ -8791,7 +8939,7 @@
 </p:sld>
 </file>
 
-<file path=ppt/slides/slide15.xml><?xml version="1.0" encoding="utf-8"?>
+<file path=ppt/slides/slide16.xml><?xml version="1.0" encoding="utf-8"?>
 <p:sld xmlns:a="http://schemas.openxmlformats.org/drawingml/2006/main" xmlns:r="http://schemas.openxmlformats.org/officeDocument/2006/relationships" xmlns:p="http://schemas.openxmlformats.org/presentationml/2006/main">
   <p:cSld>
     <p:spTree>
@@ -8877,7 +9025,7 @@
 </p:sld>
 </file>
 
-<file path=ppt/slides/slide16.xml><?xml version="1.0" encoding="utf-8"?>
+<file path=ppt/slides/slide17.xml><?xml version="1.0" encoding="utf-8"?>
 <p:sld xmlns:a="http://schemas.openxmlformats.org/drawingml/2006/main" xmlns:r="http://schemas.openxmlformats.org/officeDocument/2006/relationships" xmlns:p="http://schemas.openxmlformats.org/presentationml/2006/main">
   <p:cSld>
     <p:spTree>
@@ -9709,7 +9857,7 @@
           <p:cNvPr id="2" name="Title 1">
             <a:extLst>
               <a:ext uri="{FF2B5EF4-FFF2-40B4-BE49-F238E27FC236}">
-                <a16:creationId xmlns:a16="http://schemas.microsoft.com/office/drawing/2014/main" id="{D62BF43D-E095-43BD-B0BF-78F8ACDDD9EB}"/>
+                <a16:creationId xmlns:a16="http://schemas.microsoft.com/office/drawing/2014/main" id="{C277B351-68CC-4D2C-8119-12E52C9A74BE}"/>
               </a:ext>
             </a:extLst>
           </p:cNvPr>
@@ -9729,65 +9877,45 @@
           </a:p>
         </p:txBody>
       </p:sp>
-      <p:sp>
-        <p:nvSpPr>
-          <p:cNvPr id="3" name="Content Placeholder 2">
+      <p:pic>
+        <p:nvPicPr>
+          <p:cNvPr id="5" name="Content Placeholder 4">
             <a:extLst>
               <a:ext uri="{FF2B5EF4-FFF2-40B4-BE49-F238E27FC236}">
-                <a16:creationId xmlns:a16="http://schemas.microsoft.com/office/drawing/2014/main" id="{E61F3037-91FE-4100-8BD1-BF09EDA1684A}"/>
-              </a:ext>
-            </a:extLst>
-          </p:cNvPr>
-          <p:cNvSpPr>
-            <a:spLocks noGrp="1"/>
-          </p:cNvSpPr>
-          <p:nvPr>
-            <p:ph idx="1"/>
-          </p:nvPr>
-        </p:nvSpPr>
-        <p:spPr/>
-        <p:txBody>
-          <a:bodyPr/>
-          <a:lstStyle/>
-          <a:p>
-            <a:endParaRPr lang="en-US"/>
-          </a:p>
-        </p:txBody>
-      </p:sp>
-      <p:pic>
-        <p:nvPicPr>
-          <p:cNvPr id="4" name="Picture 3">
-            <a:extLst>
-              <a:ext uri="{FF2B5EF4-FFF2-40B4-BE49-F238E27FC236}">
-                <a16:creationId xmlns:a16="http://schemas.microsoft.com/office/drawing/2014/main" id="{899781E9-071E-4DCF-977F-2A2494152EB9}"/>
+                <a16:creationId xmlns:a16="http://schemas.microsoft.com/office/drawing/2014/main" id="{43E71981-8756-4A54-A2E9-3184E8D1640F}"/>
               </a:ext>
             </a:extLst>
           </p:cNvPr>
           <p:cNvPicPr>
-            <a:picLocks noChangeAspect="1"/>
+            <a:picLocks noGrp="1" noChangeAspect="1"/>
           </p:cNvPicPr>
-          <p:nvPr/>
+          <p:nvPr>
+            <p:ph idx="1"/>
+          </p:nvPr>
         </p:nvPicPr>
         <p:blipFill>
-          <a:blip r:embed="rId2"/>
+          <a:blip r:embed="rId2">
+            <a:extLst>
+              <a:ext uri="{28A0092B-C50C-407E-A947-70E740481C1C}">
+                <a14:useLocalDpi xmlns:a14="http://schemas.microsoft.com/office/drawing/2010/main" val="0"/>
+              </a:ext>
+            </a:extLst>
+          </a:blip>
           <a:stretch>
             <a:fillRect/>
           </a:stretch>
         </p:blipFill>
         <p:spPr>
           <a:xfrm>
-            <a:off x="0" y="0"/>
-            <a:ext cx="12192000" cy="6858000"/>
+            <a:off x="0" y="-1"/>
+            <a:ext cx="12192000" cy="6858001"/>
           </a:xfrm>
-          <a:prstGeom prst="rect">
-            <a:avLst/>
-          </a:prstGeom>
         </p:spPr>
       </p:pic>
     </p:spTree>
     <p:extLst>
       <p:ext uri="{BB962C8B-B14F-4D97-AF65-F5344CB8AC3E}">
-        <p14:creationId xmlns:p14="http://schemas.microsoft.com/office/powerpoint/2010/main" val="499854722"/>
+        <p14:creationId xmlns:p14="http://schemas.microsoft.com/office/powerpoint/2010/main" val="1673170234"/>
       </p:ext>
     </p:extLst>
   </p:cSld>
